--- a/doc/Library.pptx
+++ b/doc/Library.pptx
@@ -111,7 +111,7 @@
   </p:defaultTextStyle>
   <p:extLst>
     <p:ext uri="{EFAFB233-063F-42B5-8137-9DF3F51BA10A}">
-      <p15:sldGuideLst xmlns:p15="http://schemas.microsoft.com/office/powerpoint/2012/main"/>
+      <p15:sldGuideLst xmlns:p15="http://schemas.microsoft.com/office/powerpoint/2012/main" xmlns=""/>
     </p:ext>
   </p:extLst>
 </p:presentation>
@@ -303,7 +303,8 @@
           <a:p>
             <a:fld id="{E18788B9-13DE-4D1E-938B-E8DD7C232845}" type="datetimeFigureOut">
               <a:rPr lang="en-US" smtClean="0"/>
-              <a:t>06/17/2016</a:t>
+              <a:pPr/>
+              <a:t>6/18/2016</a:t>
             </a:fld>
             <a:endParaRPr lang="en-US"/>
           </a:p>
@@ -345,6 +346,7 @@
           <a:p>
             <a:fld id="{6F6C3AC8-29DC-43FF-A2A9-9A2F170ACFD0}" type="slidenum">
               <a:rPr lang="en-US" smtClean="0"/>
+              <a:pPr/>
               <a:t>‹#›</a:t>
             </a:fld>
             <a:endParaRPr lang="en-US"/>
@@ -354,7 +356,7 @@
     </p:spTree>
     <p:extLst>
       <p:ext uri="{BB962C8B-B14F-4D97-AF65-F5344CB8AC3E}">
-        <p14:creationId xmlns:p14="http://schemas.microsoft.com/office/powerpoint/2010/main" val="478560819"/>
+        <p14:creationId xmlns:p14="http://schemas.microsoft.com/office/powerpoint/2010/main" xmlns="" val="478560819"/>
       </p:ext>
     </p:extLst>
   </p:cSld>
@@ -578,7 +580,8 @@
           <a:p>
             <a:fld id="{E18788B9-13DE-4D1E-938B-E8DD7C232845}" type="datetimeFigureOut">
               <a:rPr lang="en-US" smtClean="0"/>
-              <a:t>06/17/2016</a:t>
+              <a:pPr/>
+              <a:t>6/18/2016</a:t>
             </a:fld>
             <a:endParaRPr lang="en-US"/>
           </a:p>
@@ -620,6 +623,7 @@
           <a:p>
             <a:fld id="{6F6C3AC8-29DC-43FF-A2A9-9A2F170ACFD0}" type="slidenum">
               <a:rPr lang="en-US" smtClean="0"/>
+              <a:pPr/>
               <a:t>‹#›</a:t>
             </a:fld>
             <a:endParaRPr lang="en-US"/>
@@ -629,7 +633,7 @@
     </p:spTree>
     <p:extLst>
       <p:ext uri="{BB962C8B-B14F-4D97-AF65-F5344CB8AC3E}">
-        <p14:creationId xmlns:p14="http://schemas.microsoft.com/office/powerpoint/2010/main" val="3313414512"/>
+        <p14:creationId xmlns:p14="http://schemas.microsoft.com/office/powerpoint/2010/main" xmlns="" val="3313414512"/>
       </p:ext>
     </p:extLst>
   </p:cSld>
@@ -772,7 +776,8 @@
           <a:p>
             <a:fld id="{E18788B9-13DE-4D1E-938B-E8DD7C232845}" type="datetimeFigureOut">
               <a:rPr lang="en-US" smtClean="0"/>
-              <a:t>06/17/2016</a:t>
+              <a:pPr/>
+              <a:t>6/18/2016</a:t>
             </a:fld>
             <a:endParaRPr lang="en-US"/>
           </a:p>
@@ -814,6 +819,7 @@
           <a:p>
             <a:fld id="{6F6C3AC8-29DC-43FF-A2A9-9A2F170ACFD0}" type="slidenum">
               <a:rPr lang="en-US" smtClean="0"/>
+              <a:pPr/>
               <a:t>‹#›</a:t>
             </a:fld>
             <a:endParaRPr lang="en-US"/>
@@ -823,7 +829,7 @@
     </p:spTree>
     <p:extLst>
       <p:ext uri="{BB962C8B-B14F-4D97-AF65-F5344CB8AC3E}">
-        <p14:creationId xmlns:p14="http://schemas.microsoft.com/office/powerpoint/2010/main" val="4260390388"/>
+        <p14:creationId xmlns:p14="http://schemas.microsoft.com/office/powerpoint/2010/main" xmlns="" val="4260390388"/>
       </p:ext>
     </p:extLst>
   </p:cSld>
@@ -1045,7 +1051,8 @@
           <a:p>
             <a:fld id="{E18788B9-13DE-4D1E-938B-E8DD7C232845}" type="datetimeFigureOut">
               <a:rPr lang="en-US" smtClean="0"/>
-              <a:t>06/17/2016</a:t>
+              <a:pPr/>
+              <a:t>6/18/2016</a:t>
             </a:fld>
             <a:endParaRPr lang="en-US"/>
           </a:p>
@@ -1087,6 +1094,7 @@
           <a:p>
             <a:fld id="{6F6C3AC8-29DC-43FF-A2A9-9A2F170ACFD0}" type="slidenum">
               <a:rPr lang="en-US" smtClean="0"/>
+              <a:pPr/>
               <a:t>‹#›</a:t>
             </a:fld>
             <a:endParaRPr lang="en-US"/>
@@ -1190,7 +1198,7 @@
     </p:spTree>
     <p:extLst>
       <p:ext uri="{BB962C8B-B14F-4D97-AF65-F5344CB8AC3E}">
-        <p14:creationId xmlns:p14="http://schemas.microsoft.com/office/powerpoint/2010/main" val="1769659125"/>
+        <p14:creationId xmlns:p14="http://schemas.microsoft.com/office/powerpoint/2010/main" xmlns="" val="1769659125"/>
       </p:ext>
     </p:extLst>
   </p:cSld>
@@ -1386,7 +1394,8 @@
           <a:p>
             <a:fld id="{E18788B9-13DE-4D1E-938B-E8DD7C232845}" type="datetimeFigureOut">
               <a:rPr lang="en-US" smtClean="0"/>
-              <a:t>06/17/2016</a:t>
+              <a:pPr/>
+              <a:t>6/18/2016</a:t>
             </a:fld>
             <a:endParaRPr lang="en-US"/>
           </a:p>
@@ -1428,6 +1437,7 @@
           <a:p>
             <a:fld id="{6F6C3AC8-29DC-43FF-A2A9-9A2F170ACFD0}" type="slidenum">
               <a:rPr lang="en-US" smtClean="0"/>
+              <a:pPr/>
               <a:t>‹#›</a:t>
             </a:fld>
             <a:endParaRPr lang="en-US"/>
@@ -1437,7 +1447,7 @@
     </p:spTree>
     <p:extLst>
       <p:ext uri="{BB962C8B-B14F-4D97-AF65-F5344CB8AC3E}">
-        <p14:creationId xmlns:p14="http://schemas.microsoft.com/office/powerpoint/2010/main" val="4281152247"/>
+        <p14:creationId xmlns:p14="http://schemas.microsoft.com/office/powerpoint/2010/main" xmlns="" val="4281152247"/>
       </p:ext>
     </p:extLst>
   </p:cSld>
@@ -2009,7 +2019,8 @@
           <a:p>
             <a:fld id="{E18788B9-13DE-4D1E-938B-E8DD7C232845}" type="datetimeFigureOut">
               <a:rPr lang="en-US" smtClean="0"/>
-              <a:t>06/17/2016</a:t>
+              <a:pPr/>
+              <a:t>6/18/2016</a:t>
             </a:fld>
             <a:endParaRPr lang="en-US"/>
           </a:p>
@@ -2051,6 +2062,7 @@
           <a:p>
             <a:fld id="{6F6C3AC8-29DC-43FF-A2A9-9A2F170ACFD0}" type="slidenum">
               <a:rPr lang="en-US" smtClean="0"/>
+              <a:pPr/>
               <a:t>‹#›</a:t>
             </a:fld>
             <a:endParaRPr lang="en-US"/>
@@ -2060,7 +2072,7 @@
     </p:spTree>
     <p:extLst>
       <p:ext uri="{BB962C8B-B14F-4D97-AF65-F5344CB8AC3E}">
-        <p14:creationId xmlns:p14="http://schemas.microsoft.com/office/powerpoint/2010/main" val="4126389991"/>
+        <p14:creationId xmlns:p14="http://schemas.microsoft.com/office/powerpoint/2010/main" xmlns="" val="4126389991"/>
       </p:ext>
     </p:extLst>
   </p:cSld>
@@ -2869,7 +2881,8 @@
           <a:p>
             <a:fld id="{E18788B9-13DE-4D1E-938B-E8DD7C232845}" type="datetimeFigureOut">
               <a:rPr lang="en-US" smtClean="0"/>
-              <a:t>06/17/2016</a:t>
+              <a:pPr/>
+              <a:t>6/18/2016</a:t>
             </a:fld>
             <a:endParaRPr lang="en-US"/>
           </a:p>
@@ -2911,6 +2924,7 @@
           <a:p>
             <a:fld id="{6F6C3AC8-29DC-43FF-A2A9-9A2F170ACFD0}" type="slidenum">
               <a:rPr lang="en-US" smtClean="0"/>
+              <a:pPr/>
               <a:t>‹#›</a:t>
             </a:fld>
             <a:endParaRPr lang="en-US"/>
@@ -2920,7 +2934,7 @@
     </p:spTree>
     <p:extLst>
       <p:ext uri="{BB962C8B-B14F-4D97-AF65-F5344CB8AC3E}">
-        <p14:creationId xmlns:p14="http://schemas.microsoft.com/office/powerpoint/2010/main" val="393002056"/>
+        <p14:creationId xmlns:p14="http://schemas.microsoft.com/office/powerpoint/2010/main" xmlns="" val="393002056"/>
       </p:ext>
     </p:extLst>
   </p:cSld>
@@ -3039,7 +3053,8 @@
           <a:p>
             <a:fld id="{E18788B9-13DE-4D1E-938B-E8DD7C232845}" type="datetimeFigureOut">
               <a:rPr lang="en-US" smtClean="0"/>
-              <a:t>06/17/2016</a:t>
+              <a:pPr/>
+              <a:t>6/18/2016</a:t>
             </a:fld>
             <a:endParaRPr lang="en-US"/>
           </a:p>
@@ -3081,6 +3096,7 @@
           <a:p>
             <a:fld id="{6F6C3AC8-29DC-43FF-A2A9-9A2F170ACFD0}" type="slidenum">
               <a:rPr lang="en-US" smtClean="0"/>
+              <a:pPr/>
               <a:t>‹#›</a:t>
             </a:fld>
             <a:endParaRPr lang="en-US"/>
@@ -3090,7 +3106,7 @@
     </p:spTree>
     <p:extLst>
       <p:ext uri="{BB962C8B-B14F-4D97-AF65-F5344CB8AC3E}">
-        <p14:creationId xmlns:p14="http://schemas.microsoft.com/office/powerpoint/2010/main" val="587827297"/>
+        <p14:creationId xmlns:p14="http://schemas.microsoft.com/office/powerpoint/2010/main" xmlns="" val="587827297"/>
       </p:ext>
     </p:extLst>
   </p:cSld>
@@ -3219,7 +3235,8 @@
           <a:p>
             <a:fld id="{E18788B9-13DE-4D1E-938B-E8DD7C232845}" type="datetimeFigureOut">
               <a:rPr lang="en-US" smtClean="0"/>
-              <a:t>06/17/2016</a:t>
+              <a:pPr/>
+              <a:t>6/18/2016</a:t>
             </a:fld>
             <a:endParaRPr lang="en-US"/>
           </a:p>
@@ -3261,6 +3278,7 @@
           <a:p>
             <a:fld id="{6F6C3AC8-29DC-43FF-A2A9-9A2F170ACFD0}" type="slidenum">
               <a:rPr lang="en-US" smtClean="0"/>
+              <a:pPr/>
               <a:t>‹#›</a:t>
             </a:fld>
             <a:endParaRPr lang="en-US"/>
@@ -3270,7 +3288,7 @@
     </p:spTree>
     <p:extLst>
       <p:ext uri="{BB962C8B-B14F-4D97-AF65-F5344CB8AC3E}">
-        <p14:creationId xmlns:p14="http://schemas.microsoft.com/office/powerpoint/2010/main" val="1679476241"/>
+        <p14:creationId xmlns:p14="http://schemas.microsoft.com/office/powerpoint/2010/main" xmlns="" val="1679476241"/>
       </p:ext>
     </p:extLst>
   </p:cSld>
@@ -3389,7 +3407,8 @@
           <a:p>
             <a:fld id="{E18788B9-13DE-4D1E-938B-E8DD7C232845}" type="datetimeFigureOut">
               <a:rPr lang="en-US" smtClean="0"/>
-              <a:t>06/17/2016</a:t>
+              <a:pPr/>
+              <a:t>6/18/2016</a:t>
             </a:fld>
             <a:endParaRPr lang="en-US"/>
           </a:p>
@@ -3431,6 +3450,7 @@
           <a:p>
             <a:fld id="{6F6C3AC8-29DC-43FF-A2A9-9A2F170ACFD0}" type="slidenum">
               <a:rPr lang="en-US" smtClean="0"/>
+              <a:pPr/>
               <a:t>‹#›</a:t>
             </a:fld>
             <a:endParaRPr lang="en-US"/>
@@ -3440,7 +3460,7 @@
     </p:spTree>
     <p:extLst>
       <p:ext uri="{BB962C8B-B14F-4D97-AF65-F5344CB8AC3E}">
-        <p14:creationId xmlns:p14="http://schemas.microsoft.com/office/powerpoint/2010/main" val="3934291881"/>
+        <p14:creationId xmlns:p14="http://schemas.microsoft.com/office/powerpoint/2010/main" xmlns="" val="3934291881"/>
       </p:ext>
     </p:extLst>
   </p:cSld>
@@ -3636,7 +3656,8 @@
           <a:p>
             <a:fld id="{E18788B9-13DE-4D1E-938B-E8DD7C232845}" type="datetimeFigureOut">
               <a:rPr lang="en-US" smtClean="0"/>
-              <a:t>06/17/2016</a:t>
+              <a:pPr/>
+              <a:t>6/18/2016</a:t>
             </a:fld>
             <a:endParaRPr lang="en-US"/>
           </a:p>
@@ -3678,6 +3699,7 @@
           <a:p>
             <a:fld id="{6F6C3AC8-29DC-43FF-A2A9-9A2F170ACFD0}" type="slidenum">
               <a:rPr lang="en-US" smtClean="0"/>
+              <a:pPr/>
               <a:t>‹#›</a:t>
             </a:fld>
             <a:endParaRPr lang="en-US"/>
@@ -3687,7 +3709,7 @@
     </p:spTree>
     <p:extLst>
       <p:ext uri="{BB962C8B-B14F-4D97-AF65-F5344CB8AC3E}">
-        <p14:creationId xmlns:p14="http://schemas.microsoft.com/office/powerpoint/2010/main" val="781673707"/>
+        <p14:creationId xmlns:p14="http://schemas.microsoft.com/office/powerpoint/2010/main" xmlns="" val="781673707"/>
       </p:ext>
     </p:extLst>
   </p:cSld>
@@ -3928,7 +3950,8 @@
           <a:p>
             <a:fld id="{E18788B9-13DE-4D1E-938B-E8DD7C232845}" type="datetimeFigureOut">
               <a:rPr lang="en-US" smtClean="0"/>
-              <a:t>06/17/2016</a:t>
+              <a:pPr/>
+              <a:t>6/18/2016</a:t>
             </a:fld>
             <a:endParaRPr lang="en-US"/>
           </a:p>
@@ -3970,6 +3993,7 @@
           <a:p>
             <a:fld id="{6F6C3AC8-29DC-43FF-A2A9-9A2F170ACFD0}" type="slidenum">
               <a:rPr lang="en-US" smtClean="0"/>
+              <a:pPr/>
               <a:t>‹#›</a:t>
             </a:fld>
             <a:endParaRPr lang="en-US"/>
@@ -3979,7 +4003,7 @@
     </p:spTree>
     <p:extLst>
       <p:ext uri="{BB962C8B-B14F-4D97-AF65-F5344CB8AC3E}">
-        <p14:creationId xmlns:p14="http://schemas.microsoft.com/office/powerpoint/2010/main" val="2894157754"/>
+        <p14:creationId xmlns:p14="http://schemas.microsoft.com/office/powerpoint/2010/main" xmlns="" val="2894157754"/>
       </p:ext>
     </p:extLst>
   </p:cSld>
@@ -4372,7 +4396,8 @@
           <a:p>
             <a:fld id="{E18788B9-13DE-4D1E-938B-E8DD7C232845}" type="datetimeFigureOut">
               <a:rPr lang="en-US" smtClean="0"/>
-              <a:t>06/17/2016</a:t>
+              <a:pPr/>
+              <a:t>6/18/2016</a:t>
             </a:fld>
             <a:endParaRPr lang="en-US"/>
           </a:p>
@@ -4414,6 +4439,7 @@
           <a:p>
             <a:fld id="{6F6C3AC8-29DC-43FF-A2A9-9A2F170ACFD0}" type="slidenum">
               <a:rPr lang="en-US" smtClean="0"/>
+              <a:pPr/>
               <a:t>‹#›</a:t>
             </a:fld>
             <a:endParaRPr lang="en-US"/>
@@ -4423,7 +4449,7 @@
     </p:spTree>
     <p:extLst>
       <p:ext uri="{BB962C8B-B14F-4D97-AF65-F5344CB8AC3E}">
-        <p14:creationId xmlns:p14="http://schemas.microsoft.com/office/powerpoint/2010/main" val="1187446608"/>
+        <p14:creationId xmlns:p14="http://schemas.microsoft.com/office/powerpoint/2010/main" xmlns="" val="1187446608"/>
       </p:ext>
     </p:extLst>
   </p:cSld>
@@ -4490,7 +4516,8 @@
           <a:p>
             <a:fld id="{E18788B9-13DE-4D1E-938B-E8DD7C232845}" type="datetimeFigureOut">
               <a:rPr lang="en-US" smtClean="0"/>
-              <a:t>06/17/2016</a:t>
+              <a:pPr/>
+              <a:t>6/18/2016</a:t>
             </a:fld>
             <a:endParaRPr lang="en-US"/>
           </a:p>
@@ -4532,6 +4559,7 @@
           <a:p>
             <a:fld id="{6F6C3AC8-29DC-43FF-A2A9-9A2F170ACFD0}" type="slidenum">
               <a:rPr lang="en-US" smtClean="0"/>
+              <a:pPr/>
               <a:t>‹#›</a:t>
             </a:fld>
             <a:endParaRPr lang="en-US"/>
@@ -4541,7 +4569,7 @@
     </p:spTree>
     <p:extLst>
       <p:ext uri="{BB962C8B-B14F-4D97-AF65-F5344CB8AC3E}">
-        <p14:creationId xmlns:p14="http://schemas.microsoft.com/office/powerpoint/2010/main" val="3728179674"/>
+        <p14:creationId xmlns:p14="http://schemas.microsoft.com/office/powerpoint/2010/main" xmlns="" val="3728179674"/>
       </p:ext>
     </p:extLst>
   </p:cSld>
@@ -4585,7 +4613,8 @@
           <a:p>
             <a:fld id="{E18788B9-13DE-4D1E-938B-E8DD7C232845}" type="datetimeFigureOut">
               <a:rPr lang="en-US" smtClean="0"/>
-              <a:t>06/17/2016</a:t>
+              <a:pPr/>
+              <a:t>6/18/2016</a:t>
             </a:fld>
             <a:endParaRPr lang="en-US"/>
           </a:p>
@@ -4627,6 +4656,7 @@
           <a:p>
             <a:fld id="{6F6C3AC8-29DC-43FF-A2A9-9A2F170ACFD0}" type="slidenum">
               <a:rPr lang="en-US" smtClean="0"/>
+              <a:pPr/>
               <a:t>‹#›</a:t>
             </a:fld>
             <a:endParaRPr lang="en-US"/>
@@ -4636,7 +4666,7 @@
     </p:spTree>
     <p:extLst>
       <p:ext uri="{BB962C8B-B14F-4D97-AF65-F5344CB8AC3E}">
-        <p14:creationId xmlns:p14="http://schemas.microsoft.com/office/powerpoint/2010/main" val="1962444585"/>
+        <p14:creationId xmlns:p14="http://schemas.microsoft.com/office/powerpoint/2010/main" xmlns="" val="1962444585"/>
       </p:ext>
     </p:extLst>
   </p:cSld>
@@ -4864,7 +4894,8 @@
           <a:p>
             <a:fld id="{E18788B9-13DE-4D1E-938B-E8DD7C232845}" type="datetimeFigureOut">
               <a:rPr lang="en-US" smtClean="0"/>
-              <a:t>06/17/2016</a:t>
+              <a:pPr/>
+              <a:t>6/18/2016</a:t>
             </a:fld>
             <a:endParaRPr lang="en-US"/>
           </a:p>
@@ -4906,6 +4937,7 @@
           <a:p>
             <a:fld id="{6F6C3AC8-29DC-43FF-A2A9-9A2F170ACFD0}" type="slidenum">
               <a:rPr lang="en-US" smtClean="0"/>
+              <a:pPr/>
               <a:t>‹#›</a:t>
             </a:fld>
             <a:endParaRPr lang="en-US"/>
@@ -4915,7 +4947,7 @@
     </p:spTree>
     <p:extLst>
       <p:ext uri="{BB962C8B-B14F-4D97-AF65-F5344CB8AC3E}">
-        <p14:creationId xmlns:p14="http://schemas.microsoft.com/office/powerpoint/2010/main" val="1799061904"/>
+        <p14:creationId xmlns:p14="http://schemas.microsoft.com/office/powerpoint/2010/main" xmlns="" val="1799061904"/>
       </p:ext>
     </p:extLst>
   </p:cSld>
@@ -5139,7 +5171,8 @@
           <a:p>
             <a:fld id="{E18788B9-13DE-4D1E-938B-E8DD7C232845}" type="datetimeFigureOut">
               <a:rPr lang="en-US" smtClean="0"/>
-              <a:t>06/17/2016</a:t>
+              <a:pPr/>
+              <a:t>6/18/2016</a:t>
             </a:fld>
             <a:endParaRPr lang="en-US"/>
           </a:p>
@@ -5181,6 +5214,7 @@
           <a:p>
             <a:fld id="{6F6C3AC8-29DC-43FF-A2A9-9A2F170ACFD0}" type="slidenum">
               <a:rPr lang="en-US" smtClean="0"/>
+              <a:pPr/>
               <a:t>‹#›</a:t>
             </a:fld>
             <a:endParaRPr lang="en-US"/>
@@ -5190,7 +5224,7 @@
     </p:spTree>
     <p:extLst>
       <p:ext uri="{BB962C8B-B14F-4D97-AF65-F5344CB8AC3E}">
-        <p14:creationId xmlns:p14="http://schemas.microsoft.com/office/powerpoint/2010/main" val="1433952341"/>
+        <p14:creationId xmlns:p14="http://schemas.microsoft.com/office/powerpoint/2010/main" xmlns="" val="1433952341"/>
       </p:ext>
     </p:extLst>
   </p:cSld>
@@ -5231,10 +5265,10 @@
           <p:nvPr/>
         </p:nvPicPr>
         <p:blipFill rotWithShape="1">
-          <a:blip r:embed="rId19">
+          <a:blip r:embed="rId19" cstate="print">
             <a:extLst>
               <a:ext uri="{28A0092B-C50C-407E-A947-70E740481C1C}">
-                <a14:useLocalDpi xmlns:a14="http://schemas.microsoft.com/office/drawing/2010/main" val="0"/>
+                <a14:useLocalDpi xmlns:a14="http://schemas.microsoft.com/office/drawing/2010/main" xmlns="" val="0"/>
               </a:ext>
             </a:extLst>
           </a:blip>
@@ -5260,10 +5294,10 @@
           <p:nvPr/>
         </p:nvPicPr>
         <p:blipFill rotWithShape="1">
-          <a:blip r:embed="rId20">
+          <a:blip r:embed="rId20" cstate="print">
             <a:extLst>
               <a:ext uri="{28A0092B-C50C-407E-A947-70E740481C1C}">
-                <a14:useLocalDpi xmlns:a14="http://schemas.microsoft.com/office/drawing/2010/main" val="0"/>
+                <a14:useLocalDpi xmlns:a14="http://schemas.microsoft.com/office/drawing/2010/main" xmlns="" val="0"/>
               </a:ext>
             </a:extLst>
           </a:blip>
@@ -5352,10 +5386,10 @@
           <p:nvPr/>
         </p:nvPicPr>
         <p:blipFill rotWithShape="1">
-          <a:blip r:embed="rId21">
+          <a:blip r:embed="rId21" cstate="print">
             <a:extLst>
               <a:ext uri="{28A0092B-C50C-407E-A947-70E740481C1C}">
-                <a14:useLocalDpi xmlns:a14="http://schemas.microsoft.com/office/drawing/2010/main" val="0"/>
+                <a14:useLocalDpi xmlns:a14="http://schemas.microsoft.com/office/drawing/2010/main" xmlns="" val="0"/>
               </a:ext>
             </a:extLst>
           </a:blip>
@@ -5381,10 +5415,10 @@
           <p:nvPr/>
         </p:nvPicPr>
         <p:blipFill rotWithShape="1">
-          <a:blip r:embed="rId22">
+          <a:blip r:embed="rId22" cstate="print">
             <a:extLst>
               <a:ext uri="{28A0092B-C50C-407E-A947-70E740481C1C}">
-                <a14:useLocalDpi xmlns:a14="http://schemas.microsoft.com/office/drawing/2010/main" val="0"/>
+                <a14:useLocalDpi xmlns:a14="http://schemas.microsoft.com/office/drawing/2010/main" xmlns="" val="0"/>
               </a:ext>
             </a:extLst>
           </a:blip>
@@ -5568,7 +5602,8 @@
           <a:p>
             <a:fld id="{E18788B9-13DE-4D1E-938B-E8DD7C232845}" type="datetimeFigureOut">
               <a:rPr lang="en-US" smtClean="0"/>
-              <a:t>06/17/2016</a:t>
+              <a:pPr/>
+              <a:t>6/18/2016</a:t>
             </a:fld>
             <a:endParaRPr lang="en-US"/>
           </a:p>
@@ -5647,6 +5682,7 @@
           <a:p>
             <a:fld id="{6F6C3AC8-29DC-43FF-A2A9-9A2F170ACFD0}" type="slidenum">
               <a:rPr lang="en-US" smtClean="0"/>
+              <a:pPr/>
               <a:t>‹#›</a:t>
             </a:fld>
             <a:endParaRPr lang="en-US"/>
@@ -5656,7 +5692,7 @@
     </p:spTree>
     <p:extLst>
       <p:ext uri="{BB962C8B-B14F-4D97-AF65-F5344CB8AC3E}">
-        <p14:creationId xmlns:p14="http://schemas.microsoft.com/office/powerpoint/2010/main" val="1221169906"/>
+        <p14:creationId xmlns:p14="http://schemas.microsoft.com/office/powerpoint/2010/main" xmlns="" val="1221169906"/>
       </p:ext>
     </p:extLst>
   </p:cSld>
@@ -6163,7 +6199,7 @@
     </p:spTree>
     <p:extLst>
       <p:ext uri="{BB962C8B-B14F-4D97-AF65-F5344CB8AC3E}">
-        <p14:creationId xmlns:p14="http://schemas.microsoft.com/office/powerpoint/2010/main" val="443230944"/>
+        <p14:creationId xmlns:p14="http://schemas.microsoft.com/office/powerpoint/2010/main" xmlns="" val="443230944"/>
       </p:ext>
     </p:extLst>
   </p:cSld>
@@ -6220,15 +6256,7 @@
             <a:pPr algn="ctr"/>
             <a:r>
               <a:rPr lang="en-US" sz="6000" dirty="0" smtClean="0"/>
-              <a:t>Used </a:t>
-            </a:r>
-            <a:r>
-              <a:rPr lang="en-US" sz="6000" dirty="0" smtClean="0"/>
-              <a:t>technologies</a:t>
-            </a:r>
-            <a:r>
-              <a:rPr lang="en-US" sz="6000" dirty="0" smtClean="0"/>
-              <a:t/>
+              <a:t>Used technologies</a:t>
             </a:r>
             <a:br>
               <a:rPr lang="en-US" sz="6000" dirty="0" smtClean="0"/>
@@ -6304,7 +6332,6 @@
               <a:rPr lang="en-US" dirty="0" smtClean="0"/>
               <a:t>.JUNIT</a:t>
             </a:r>
-            <a:endParaRPr lang="en-US" dirty="0" smtClean="0"/>
           </a:p>
           <a:p>
             <a:r>
@@ -6317,6 +6344,7 @@
               <a:rPr lang="en-US" dirty="0" smtClean="0"/>
               <a:t>8.MYSql</a:t>
             </a:r>
+            <a:endParaRPr lang="en-US" dirty="0" smtClean="0"/>
           </a:p>
           <a:p>
             <a:r>
@@ -6370,7 +6398,7 @@
     </p:spTree>
     <p:extLst>
       <p:ext uri="{BB962C8B-B14F-4D97-AF65-F5344CB8AC3E}">
-        <p14:creationId xmlns:p14="http://schemas.microsoft.com/office/powerpoint/2010/main" val="1782030088"/>
+        <p14:creationId xmlns:p14="http://schemas.microsoft.com/office/powerpoint/2010/main" xmlns="" val="1782030088"/>
       </p:ext>
     </p:extLst>
   </p:cSld>
@@ -6434,11 +6462,7 @@
             </a:br>
             <a:r>
               <a:rPr lang="en-US" dirty="0" smtClean="0"/>
-              <a:t>Module </a:t>
-            </a:r>
-            <a:r>
-              <a:rPr lang="en-US" dirty="0" smtClean="0"/>
-              <a:t>Structure</a:t>
+              <a:t>Module Structure</a:t>
             </a:r>
             <a:endParaRPr lang="en-US" dirty="0"/>
           </a:p>
@@ -6501,7 +6525,7 @@
     </p:spTree>
     <p:extLst>
       <p:ext uri="{BB962C8B-B14F-4D97-AF65-F5344CB8AC3E}">
-        <p14:creationId xmlns:p14="http://schemas.microsoft.com/office/powerpoint/2010/main" val="916197228"/>
+        <p14:creationId xmlns:p14="http://schemas.microsoft.com/office/powerpoint/2010/main" xmlns="" val="916197228"/>
       </p:ext>
     </p:extLst>
   </p:cSld>
@@ -6547,7 +6571,7 @@
         </p:nvSpPr>
         <p:spPr>
           <a:xfrm>
-            <a:off x="2555921" y="1734653"/>
+            <a:off x="2564548" y="613219"/>
             <a:ext cx="6815669" cy="1515533"/>
           </a:xfrm>
         </p:spPr>
@@ -6555,6 +6579,7 @@
           <a:bodyPr/>
           <a:lstStyle/>
           <a:p>
+            <a:pPr algn="ctr"/>
             <a:endParaRPr lang="en-US" dirty="0"/>
           </a:p>
         </p:txBody>
@@ -6569,10 +6594,73 @@
             <p:ph type="subTitle" idx="1"/>
           </p:nvPr>
         </p:nvSpPr>
-        <p:spPr/>
-        <p:txBody>
-          <a:bodyPr/>
-          <a:lstStyle/>
+        <p:spPr>
+          <a:xfrm>
+            <a:off x="214676" y="2801930"/>
+            <a:ext cx="8825658" cy="3849035"/>
+          </a:xfrm>
+        </p:spPr>
+        <p:txBody>
+          <a:bodyPr>
+            <a:normAutofit/>
+          </a:bodyPr>
+          <a:lstStyle/>
+          <a:p>
+            <a:r>
+              <a:rPr lang="en-US" dirty="0" smtClean="0"/>
+              <a:t>1. Register in application with required parameters</a:t>
+            </a:r>
+          </a:p>
+          <a:p>
+            <a:r>
+              <a:rPr lang="en-US" dirty="0" smtClean="0"/>
+              <a:t>2. See library books</a:t>
+            </a:r>
+          </a:p>
+          <a:p>
+            <a:r>
+              <a:rPr lang="en-US" dirty="0" smtClean="0"/>
+              <a:t>3. choose the book</a:t>
+            </a:r>
+          </a:p>
+          <a:p>
+            <a:r>
+              <a:rPr lang="en-US" dirty="0" smtClean="0"/>
+              <a:t>4. Upload book by admin</a:t>
+            </a:r>
+          </a:p>
+          <a:p>
+            <a:r>
+              <a:rPr lang="en-US" dirty="0" smtClean="0"/>
+              <a:t>5. Edit book list by admin</a:t>
+            </a:r>
+          </a:p>
+          <a:p>
+            <a:r>
+              <a:rPr lang="en-US" dirty="0" smtClean="0"/>
+              <a:t>6. Edit user list by admin</a:t>
+            </a:r>
+          </a:p>
+          <a:p>
+            <a:r>
+              <a:rPr lang="en-US" dirty="0" smtClean="0"/>
+              <a:t>7. Download </a:t>
+            </a:r>
+            <a:r>
+              <a:rPr lang="en-US" dirty="0" err="1" smtClean="0"/>
+              <a:t>electo</a:t>
+            </a:r>
+            <a:r>
+              <a:rPr lang="en-US" dirty="0" smtClean="0"/>
+              <a:t> book</a:t>
+            </a:r>
+          </a:p>
+          <a:p>
+            <a:r>
+              <a:rPr lang="en-US" dirty="0" smtClean="0"/>
+              <a:t>8.Upload electro book</a:t>
+            </a:r>
+          </a:p>
           <a:p>
             <a:endParaRPr lang="en-US" dirty="0"/>
           </a:p>
@@ -6581,7 +6669,7 @@
     </p:spTree>
     <p:extLst>
       <p:ext uri="{BB962C8B-B14F-4D97-AF65-F5344CB8AC3E}">
-        <p14:creationId xmlns:p14="http://schemas.microsoft.com/office/powerpoint/2010/main" val="366920874"/>
+        <p14:creationId xmlns:p14="http://schemas.microsoft.com/office/powerpoint/2010/main" xmlns="" val="366920874"/>
       </p:ext>
     </p:extLst>
   </p:cSld>
@@ -6715,7 +6803,7 @@
     </p:spTree>
     <p:extLst>
       <p:ext uri="{BB962C8B-B14F-4D97-AF65-F5344CB8AC3E}">
-        <p14:creationId xmlns:p14="http://schemas.microsoft.com/office/powerpoint/2010/main" val="1075187792"/>
+        <p14:creationId xmlns:p14="http://schemas.microsoft.com/office/powerpoint/2010/main" xmlns="" val="1075187792"/>
       </p:ext>
     </p:extLst>
   </p:cSld>
@@ -6780,7 +6868,7 @@
     </p:spTree>
     <p:extLst>
       <p:ext uri="{BB962C8B-B14F-4D97-AF65-F5344CB8AC3E}">
-        <p14:creationId xmlns:p14="http://schemas.microsoft.com/office/powerpoint/2010/main" val="3678385546"/>
+        <p14:creationId xmlns:p14="http://schemas.microsoft.com/office/powerpoint/2010/main" xmlns="" val="3678385546"/>
       </p:ext>
     </p:extLst>
   </p:cSld>
@@ -6840,7 +6928,7 @@
     </a:clrScheme>
     <a:fontScheme name="Ion">
       <a:majorFont>
-        <a:latin typeface="Century Gothic" panose="020B0502020202020204"/>
+        <a:latin typeface="Century Gothic"/>
         <a:ea typeface=""/>
         <a:cs typeface=""/>
         <a:font script="Jpan" typeface="メイリオ"/>
@@ -6875,7 +6963,7 @@
         <a:font script="Geor" typeface="Sylfaen"/>
       </a:majorFont>
       <a:minorFont>
-        <a:latin typeface="Century Gothic" panose="020B0502020202020204"/>
+        <a:latin typeface="Century Gothic"/>
         <a:ea typeface=""/>
         <a:cs typeface=""/>
         <a:font script="Jpan" typeface="メイリオ"/>
@@ -7057,7 +7145,7 @@
   <a:extraClrSchemeLst/>
   <a:extLst>
     <a:ext uri="{05A4C25C-085E-4340-85A3-A5531E510DB2}">
-      <thm15:themeFamily xmlns:thm15="http://schemas.microsoft.com/office/thememl/2012/main" name="Ion" id="{B8441ADB-2E43-4AF7-B97A-BD870242C6A8}" vid="{292E63A9-BB86-4E3D-B92A-7223C6510D2E}"/>
+      <thm15:themeFamily xmlns:thm15="http://schemas.microsoft.com/office/thememl/2012/main" xmlns="" name="Ion" id="{B8441ADB-2E43-4AF7-B97A-BD870242C6A8}" vid="{292E63A9-BB86-4E3D-B92A-7223C6510D2E}"/>
     </a:ext>
   </a:extLst>
 </a:theme>
